--- a/guide.pptx
+++ b/guide.pptx
@@ -5,8 +5,9 @@
     <p:sldMasterId id="2147483648" r:id="rId1"/>
   </p:sldMasterIdLst>
   <p:sldIdLst>
-    <p:sldId id="257" r:id="rId2"/>
-    <p:sldId id="258" r:id="rId3"/>
+    <p:sldId id="259" r:id="rId2"/>
+    <p:sldId id="257" r:id="rId3"/>
+    <p:sldId id="258" r:id="rId4"/>
   </p:sldIdLst>
   <p:sldSz cx="12192000" cy="6858000"/>
   <p:notesSz cx="6858000" cy="9144000"/>
@@ -105,6 +106,11 @@
       </a:defRPr>
     </a:lvl9pPr>
   </p:defaultTextStyle>
+  <p:extLst>
+    <p:ext uri="{EFAFB233-063F-42B5-8137-9DF3F51BA10A}">
+      <p15:sldGuideLst xmlns:p15="http://schemas.microsoft.com/office/powerpoint/2012/main"/>
+    </p:ext>
+  </p:extLst>
 </p:presentation>
 </file>
 
@@ -3322,6 +3328,83 @@
           <a:chExt cx="0" cy="0"/>
         </a:xfrm>
       </p:grpSpPr>
+      <p:sp>
+        <p:nvSpPr>
+          <p:cNvPr id="9" name="TextBox 8">
+            <a:extLst>
+              <a:ext uri="{FF2B5EF4-FFF2-40B4-BE49-F238E27FC236}">
+                <a16:creationId xmlns:a16="http://schemas.microsoft.com/office/drawing/2014/main" id="{BB5AB9A3-291F-BF61-FB61-A83932DD645B}"/>
+              </a:ext>
+            </a:extLst>
+          </p:cNvPr>
+          <p:cNvSpPr txBox="1"/>
+          <p:nvPr/>
+        </p:nvSpPr>
+        <p:spPr>
+          <a:xfrm>
+            <a:off x="2085114" y="3059668"/>
+            <a:ext cx="4763165" cy="923330"/>
+          </a:xfrm>
+          <a:prstGeom prst="rect">
+            <a:avLst/>
+          </a:prstGeom>
+          <a:noFill/>
+        </p:spPr>
+        <p:txBody>
+          <a:bodyPr wrap="square" rtlCol="0">
+            <a:spAutoFit/>
+          </a:bodyPr>
+          <a:lstStyle/>
+          <a:p>
+            <a:r>
+              <a:rPr lang="en-US" dirty="0"/>
+              <a:t>select file tab and chose import</a:t>
+            </a:r>
+          </a:p>
+          <a:p>
+            <a:r>
+              <a:rPr lang="en-US" dirty="0"/>
+              <a:t>Select existing maven project</a:t>
+            </a:r>
+          </a:p>
+          <a:p>
+            <a:r>
+              <a:rPr lang="en-US" dirty="0"/>
+              <a:t>Browse the root directory then click finish</a:t>
+            </a:r>
+          </a:p>
+        </p:txBody>
+      </p:sp>
+    </p:spTree>
+    <p:extLst>
+      <p:ext uri="{BB962C8B-B14F-4D97-AF65-F5344CB8AC3E}">
+        <p14:creationId xmlns:p14="http://schemas.microsoft.com/office/powerpoint/2010/main" val="1271911190"/>
+      </p:ext>
+    </p:extLst>
+  </p:cSld>
+  <p:clrMapOvr>
+    <a:masterClrMapping/>
+  </p:clrMapOvr>
+</p:sld>
+</file>
+
+<file path=ppt/slides/slide2.xml><?xml version="1.0" encoding="utf-8"?>
+<p:sld xmlns:a="http://schemas.openxmlformats.org/drawingml/2006/main" xmlns:r="http://schemas.openxmlformats.org/officeDocument/2006/relationships" xmlns:p="http://schemas.openxmlformats.org/presentationml/2006/main">
+  <p:cSld>
+    <p:spTree>
+      <p:nvGrpSpPr>
+        <p:cNvPr id="1" name=""/>
+        <p:cNvGrpSpPr/>
+        <p:nvPr/>
+      </p:nvGrpSpPr>
+      <p:grpSpPr>
+        <a:xfrm>
+          <a:off x="0" y="0"/>
+          <a:ext cx="0" cy="0"/>
+          <a:chOff x="0" y="0"/>
+          <a:chExt cx="0" cy="0"/>
+        </a:xfrm>
+      </p:grpSpPr>
       <p:pic>
         <p:nvPicPr>
           <p:cNvPr id="5" name="Picture 4">
@@ -3670,7 +3753,7 @@
         </p:nvGrpSpPr>
         <p:grpSpPr>
           <a:xfrm>
-            <a:off x="8359004" y="4410097"/>
+            <a:off x="8044634" y="4367870"/>
             <a:ext cx="4839375" cy="1629002"/>
             <a:chOff x="3654166" y="-662689"/>
             <a:chExt cx="4839375" cy="1629002"/>
@@ -3781,7 +3864,7 @@
         </p:blipFill>
         <p:spPr>
           <a:xfrm>
-            <a:off x="8044636" y="7135494"/>
+            <a:off x="8044634" y="7624373"/>
             <a:ext cx="5468113" cy="4563112"/>
           </a:xfrm>
           <a:prstGeom prst="rect">
@@ -3900,10 +3983,10 @@
       </p:sp>
       <p:pic>
         <p:nvPicPr>
-          <p:cNvPr id="3" name="Picture 2">
-            <a:extLst>
-              <a:ext uri="{FF2B5EF4-FFF2-40B4-BE49-F238E27FC236}">
-                <a16:creationId xmlns:a16="http://schemas.microsoft.com/office/drawing/2014/main" id="{B0FBB5B8-562F-43F5-8DC5-CAFFA8E3C3FD}"/>
+          <p:cNvPr id="6" name="Picture 5">
+            <a:extLst>
+              <a:ext uri="{FF2B5EF4-FFF2-40B4-BE49-F238E27FC236}">
+                <a16:creationId xmlns:a16="http://schemas.microsoft.com/office/drawing/2014/main" id="{AA2585F5-7B03-2BFD-EDDC-515A317F4B19}"/>
               </a:ext>
             </a:extLst>
           </p:cNvPr>
@@ -3920,20 +4003,265 @@
         </p:blipFill>
         <p:spPr>
           <a:xfrm>
-            <a:off x="8129994" y="13989291"/>
-            <a:ext cx="4791744" cy="5630061"/>
+            <a:off x="8077599" y="20839611"/>
+            <a:ext cx="4896533" cy="3762900"/>
           </a:xfrm>
           <a:prstGeom prst="rect">
             <a:avLst/>
           </a:prstGeom>
         </p:spPr>
       </p:pic>
+      <p:sp>
+        <p:nvSpPr>
+          <p:cNvPr id="8" name="TextBox 7">
+            <a:extLst>
+              <a:ext uri="{FF2B5EF4-FFF2-40B4-BE49-F238E27FC236}">
+                <a16:creationId xmlns:a16="http://schemas.microsoft.com/office/drawing/2014/main" id="{D4A83A9B-BB76-5B95-BF85-030BA02E8627}"/>
+              </a:ext>
+            </a:extLst>
+          </p:cNvPr>
+          <p:cNvSpPr txBox="1"/>
+          <p:nvPr/>
+        </p:nvSpPr>
+        <p:spPr>
+          <a:xfrm>
+            <a:off x="8360010" y="19943043"/>
+            <a:ext cx="4416385" cy="369332"/>
+          </a:xfrm>
+          <a:prstGeom prst="rect">
+            <a:avLst/>
+          </a:prstGeom>
+          <a:noFill/>
+        </p:spPr>
+        <p:txBody>
+          <a:bodyPr wrap="square" rtlCol="0">
+            <a:spAutoFit/>
+          </a:bodyPr>
+          <a:lstStyle/>
+          <a:p>
+            <a:r>
+              <a:rPr lang="en-US" dirty="0"/>
+              <a:t>Then click test connection if it is success</a:t>
+            </a:r>
+          </a:p>
+        </p:txBody>
+      </p:sp>
+      <p:sp>
+        <p:nvSpPr>
+          <p:cNvPr id="12" name="TextBox 11">
+            <a:extLst>
+              <a:ext uri="{FF2B5EF4-FFF2-40B4-BE49-F238E27FC236}">
+                <a16:creationId xmlns:a16="http://schemas.microsoft.com/office/drawing/2014/main" id="{5C27D9B8-5BA5-95EB-1041-94BD34CAE852}"/>
+              </a:ext>
+            </a:extLst>
+          </p:cNvPr>
+          <p:cNvSpPr txBox="1"/>
+          <p:nvPr/>
+        </p:nvSpPr>
+        <p:spPr>
+          <a:xfrm>
+            <a:off x="2707014" y="8383830"/>
+            <a:ext cx="3398251" cy="369332"/>
+          </a:xfrm>
+          <a:prstGeom prst="rect">
+            <a:avLst/>
+          </a:prstGeom>
+          <a:noFill/>
+        </p:spPr>
+        <p:txBody>
+          <a:bodyPr wrap="square" rtlCol="0">
+            <a:spAutoFit/>
+          </a:bodyPr>
+          <a:lstStyle/>
+          <a:p>
+            <a:r>
+              <a:rPr lang="en-US" dirty="0"/>
+              <a:t>Just click next and finish</a:t>
+            </a:r>
+          </a:p>
+        </p:txBody>
+      </p:sp>
+      <p:sp>
+        <p:nvSpPr>
+          <p:cNvPr id="16" name="TextBox 15">
+            <a:extLst>
+              <a:ext uri="{FF2B5EF4-FFF2-40B4-BE49-F238E27FC236}">
+                <a16:creationId xmlns:a16="http://schemas.microsoft.com/office/drawing/2014/main" id="{70F886EA-6388-0F25-5F86-920F9128BD7B}"/>
+              </a:ext>
+            </a:extLst>
+          </p:cNvPr>
+          <p:cNvSpPr txBox="1"/>
+          <p:nvPr/>
+        </p:nvSpPr>
+        <p:spPr>
+          <a:xfrm>
+            <a:off x="1989463" y="4799395"/>
+            <a:ext cx="3204339" cy="646331"/>
+          </a:xfrm>
+          <a:prstGeom prst="rect">
+            <a:avLst/>
+          </a:prstGeom>
+          <a:noFill/>
+        </p:spPr>
+        <p:txBody>
+          <a:bodyPr wrap="square" rtlCol="0">
+            <a:spAutoFit/>
+          </a:bodyPr>
+          <a:lstStyle/>
+          <a:p>
+            <a:r>
+              <a:rPr lang="en-US" dirty="0"/>
+              <a:t>select database tab and choose forward engineer</a:t>
+            </a:r>
+          </a:p>
+        </p:txBody>
+      </p:sp>
+      <p:sp>
+        <p:nvSpPr>
+          <p:cNvPr id="17" name="TextBox 16">
+            <a:extLst>
+              <a:ext uri="{FF2B5EF4-FFF2-40B4-BE49-F238E27FC236}">
+                <a16:creationId xmlns:a16="http://schemas.microsoft.com/office/drawing/2014/main" id="{ED3EA26B-74E8-2792-C722-B6E4B47622E4}"/>
+              </a:ext>
+            </a:extLst>
+          </p:cNvPr>
+          <p:cNvSpPr txBox="1"/>
+          <p:nvPr/>
+        </p:nvSpPr>
+        <p:spPr>
+          <a:xfrm>
+            <a:off x="1778613" y="1998913"/>
+            <a:ext cx="4763165" cy="646331"/>
+          </a:xfrm>
+          <a:prstGeom prst="rect">
+            <a:avLst/>
+          </a:prstGeom>
+          <a:noFill/>
+        </p:spPr>
+        <p:txBody>
+          <a:bodyPr wrap="square" rtlCol="0">
+            <a:spAutoFit/>
+          </a:bodyPr>
+          <a:lstStyle/>
+          <a:p>
+            <a:r>
+              <a:rPr lang="en-US" dirty="0"/>
+              <a:t>select file tab and chose open model then choose </a:t>
+            </a:r>
+            <a:r>
+              <a:rPr lang="en-US" dirty="0" err="1"/>
+              <a:t>database_model</a:t>
+            </a:r>
+            <a:endParaRPr lang="en-US" dirty="0"/>
+          </a:p>
+        </p:txBody>
+      </p:sp>
+      <p:sp>
+        <p:nvSpPr>
+          <p:cNvPr id="18" name="TextBox 17">
+            <a:extLst>
+              <a:ext uri="{FF2B5EF4-FFF2-40B4-BE49-F238E27FC236}">
+                <a16:creationId xmlns:a16="http://schemas.microsoft.com/office/drawing/2014/main" id="{875F7A0B-2635-F199-832C-995A430843F2}"/>
+              </a:ext>
+            </a:extLst>
+          </p:cNvPr>
+          <p:cNvSpPr txBox="1"/>
+          <p:nvPr/>
+        </p:nvSpPr>
+        <p:spPr>
+          <a:xfrm>
+            <a:off x="7815672" y="537993"/>
+            <a:ext cx="4763165" cy="646331"/>
+          </a:xfrm>
+          <a:prstGeom prst="rect">
+            <a:avLst/>
+          </a:prstGeom>
+          <a:noFill/>
+        </p:spPr>
+        <p:txBody>
+          <a:bodyPr wrap="square" rtlCol="0">
+            <a:spAutoFit/>
+          </a:bodyPr>
+          <a:lstStyle/>
+          <a:p>
+            <a:r>
+              <a:rPr lang="en-US" dirty="0"/>
+              <a:t>Select data source explorer.</a:t>
+            </a:r>
+          </a:p>
+          <a:p>
+            <a:r>
+              <a:rPr lang="en-US" dirty="0"/>
+              <a:t>right click and select new</a:t>
+            </a:r>
+          </a:p>
+        </p:txBody>
+      </p:sp>
+      <p:sp>
+        <p:nvSpPr>
+          <p:cNvPr id="20" name="TextBox 19">
+            <a:extLst>
+              <a:ext uri="{FF2B5EF4-FFF2-40B4-BE49-F238E27FC236}">
+                <a16:creationId xmlns:a16="http://schemas.microsoft.com/office/drawing/2014/main" id="{3C1AEF70-DDAF-1CAB-35B8-B242DD9C0FE0}"/>
+              </a:ext>
+            </a:extLst>
+          </p:cNvPr>
+          <p:cNvSpPr txBox="1"/>
+          <p:nvPr/>
+        </p:nvSpPr>
+        <p:spPr>
+          <a:xfrm>
+            <a:off x="-5020709" y="834760"/>
+            <a:ext cx="4763165" cy="646331"/>
+          </a:xfrm>
+          <a:prstGeom prst="rect">
+            <a:avLst/>
+          </a:prstGeom>
+          <a:noFill/>
+        </p:spPr>
+        <p:txBody>
+          <a:bodyPr wrap="square" rtlCol="0">
+            <a:spAutoFit/>
+          </a:bodyPr>
+          <a:lstStyle/>
+          <a:p>
+            <a:r>
+              <a:rPr lang="en-US" dirty="0"/>
+              <a:t>Open </a:t>
+            </a:r>
+            <a:r>
+              <a:rPr lang="en-US" dirty="0" err="1"/>
+              <a:t>application.properties</a:t>
+            </a:r>
+            <a:r>
+              <a:rPr lang="en-US" dirty="0"/>
+              <a:t> and configure  the port base on </a:t>
+            </a:r>
+            <a:r>
+              <a:rPr lang="en-US" dirty="0" err="1"/>
+              <a:t>ur</a:t>
+            </a:r>
+            <a:r>
+              <a:rPr lang="en-US" dirty="0"/>
+              <a:t> </a:t>
+            </a:r>
+            <a:r>
+              <a:rPr lang="en-US" dirty="0" err="1"/>
+              <a:t>mysql</a:t>
+            </a:r>
+            <a:r>
+              <a:rPr lang="en-US" dirty="0"/>
+              <a:t> connections</a:t>
+            </a:r>
+          </a:p>
+        </p:txBody>
+      </p:sp>
       <p:pic>
         <p:nvPicPr>
-          <p:cNvPr id="6" name="Picture 5">
-            <a:extLst>
-              <a:ext uri="{FF2B5EF4-FFF2-40B4-BE49-F238E27FC236}">
-                <a16:creationId xmlns:a16="http://schemas.microsoft.com/office/drawing/2014/main" id="{AA2585F5-7B03-2BFD-EDDC-515A317F4B19}"/>
+          <p:cNvPr id="22" name="Picture 21">
+            <a:extLst>
+              <a:ext uri="{FF2B5EF4-FFF2-40B4-BE49-F238E27FC236}">
+                <a16:creationId xmlns:a16="http://schemas.microsoft.com/office/drawing/2014/main" id="{0A406B0E-0061-4D45-8D30-9F7B653A9088}"/>
               </a:ext>
             </a:extLst>
           </p:cNvPr>
@@ -3950,259 +4278,14 @@
         </p:blipFill>
         <p:spPr>
           <a:xfrm>
-            <a:off x="8077599" y="20839611"/>
-            <a:ext cx="4896533" cy="3762900"/>
+            <a:off x="6105265" y="14341980"/>
+            <a:ext cx="5581650" cy="4695825"/>
           </a:xfrm>
           <a:prstGeom prst="rect">
             <a:avLst/>
           </a:prstGeom>
         </p:spPr>
       </p:pic>
-      <p:sp>
-        <p:nvSpPr>
-          <p:cNvPr id="8" name="TextBox 7">
-            <a:extLst>
-              <a:ext uri="{FF2B5EF4-FFF2-40B4-BE49-F238E27FC236}">
-                <a16:creationId xmlns:a16="http://schemas.microsoft.com/office/drawing/2014/main" id="{D4A83A9B-BB76-5B95-BF85-030BA02E8627}"/>
-              </a:ext>
-            </a:extLst>
-          </p:cNvPr>
-          <p:cNvSpPr txBox="1"/>
-          <p:nvPr/>
-        </p:nvSpPr>
-        <p:spPr>
-          <a:xfrm>
-            <a:off x="8360010" y="19943043"/>
-            <a:ext cx="4416385" cy="369332"/>
-          </a:xfrm>
-          <a:prstGeom prst="rect">
-            <a:avLst/>
-          </a:prstGeom>
-          <a:noFill/>
-        </p:spPr>
-        <p:txBody>
-          <a:bodyPr wrap="square" rtlCol="0">
-            <a:spAutoFit/>
-          </a:bodyPr>
-          <a:lstStyle/>
-          <a:p>
-            <a:r>
-              <a:rPr lang="en-US" dirty="0"/>
-              <a:t>Then click test connection if it is success</a:t>
-            </a:r>
-          </a:p>
-        </p:txBody>
-      </p:sp>
-      <p:sp>
-        <p:nvSpPr>
-          <p:cNvPr id="12" name="TextBox 11">
-            <a:extLst>
-              <a:ext uri="{FF2B5EF4-FFF2-40B4-BE49-F238E27FC236}">
-                <a16:creationId xmlns:a16="http://schemas.microsoft.com/office/drawing/2014/main" id="{5C27D9B8-5BA5-95EB-1041-94BD34CAE852}"/>
-              </a:ext>
-            </a:extLst>
-          </p:cNvPr>
-          <p:cNvSpPr txBox="1"/>
-          <p:nvPr/>
-        </p:nvSpPr>
-        <p:spPr>
-          <a:xfrm>
-            <a:off x="2707014" y="8383830"/>
-            <a:ext cx="3398251" cy="369332"/>
-          </a:xfrm>
-          <a:prstGeom prst="rect">
-            <a:avLst/>
-          </a:prstGeom>
-          <a:noFill/>
-        </p:spPr>
-        <p:txBody>
-          <a:bodyPr wrap="square" rtlCol="0">
-            <a:spAutoFit/>
-          </a:bodyPr>
-          <a:lstStyle/>
-          <a:p>
-            <a:r>
-              <a:rPr lang="en-US" dirty="0"/>
-              <a:t>Just click next and finish</a:t>
-            </a:r>
-          </a:p>
-        </p:txBody>
-      </p:sp>
-      <p:sp>
-        <p:nvSpPr>
-          <p:cNvPr id="16" name="TextBox 15">
-            <a:extLst>
-              <a:ext uri="{FF2B5EF4-FFF2-40B4-BE49-F238E27FC236}">
-                <a16:creationId xmlns:a16="http://schemas.microsoft.com/office/drawing/2014/main" id="{70F886EA-6388-0F25-5F86-920F9128BD7B}"/>
-              </a:ext>
-            </a:extLst>
-          </p:cNvPr>
-          <p:cNvSpPr txBox="1"/>
-          <p:nvPr/>
-        </p:nvSpPr>
-        <p:spPr>
-          <a:xfrm>
-            <a:off x="1989463" y="4799395"/>
-            <a:ext cx="3204339" cy="646331"/>
-          </a:xfrm>
-          <a:prstGeom prst="rect">
-            <a:avLst/>
-          </a:prstGeom>
-          <a:noFill/>
-        </p:spPr>
-        <p:txBody>
-          <a:bodyPr wrap="square" rtlCol="0">
-            <a:spAutoFit/>
-          </a:bodyPr>
-          <a:lstStyle/>
-          <a:p>
-            <a:r>
-              <a:rPr lang="en-US" dirty="0"/>
-              <a:t>select database tab and choose forward engineer</a:t>
-            </a:r>
-          </a:p>
-        </p:txBody>
-      </p:sp>
-      <p:sp>
-        <p:nvSpPr>
-          <p:cNvPr id="17" name="TextBox 16">
-            <a:extLst>
-              <a:ext uri="{FF2B5EF4-FFF2-40B4-BE49-F238E27FC236}">
-                <a16:creationId xmlns:a16="http://schemas.microsoft.com/office/drawing/2014/main" id="{ED3EA26B-74E8-2792-C722-B6E4B47622E4}"/>
-              </a:ext>
-            </a:extLst>
-          </p:cNvPr>
-          <p:cNvSpPr txBox="1"/>
-          <p:nvPr/>
-        </p:nvSpPr>
-        <p:spPr>
-          <a:xfrm>
-            <a:off x="1778613" y="1998913"/>
-            <a:ext cx="4763165" cy="646331"/>
-          </a:xfrm>
-          <a:prstGeom prst="rect">
-            <a:avLst/>
-          </a:prstGeom>
-          <a:noFill/>
-        </p:spPr>
-        <p:txBody>
-          <a:bodyPr wrap="square" rtlCol="0">
-            <a:spAutoFit/>
-          </a:bodyPr>
-          <a:lstStyle/>
-          <a:p>
-            <a:r>
-              <a:rPr lang="en-US" dirty="0"/>
-              <a:t>select file tab and chose open model then choose </a:t>
-            </a:r>
-            <a:r>
-              <a:rPr lang="en-US" dirty="0" err="1"/>
-              <a:t>database_model</a:t>
-            </a:r>
-            <a:endParaRPr lang="en-US" dirty="0"/>
-          </a:p>
-        </p:txBody>
-      </p:sp>
-      <p:sp>
-        <p:nvSpPr>
-          <p:cNvPr id="18" name="TextBox 17">
-            <a:extLst>
-              <a:ext uri="{FF2B5EF4-FFF2-40B4-BE49-F238E27FC236}">
-                <a16:creationId xmlns:a16="http://schemas.microsoft.com/office/drawing/2014/main" id="{875F7A0B-2635-F199-832C-995A430843F2}"/>
-              </a:ext>
-            </a:extLst>
-          </p:cNvPr>
-          <p:cNvSpPr txBox="1"/>
-          <p:nvPr/>
-        </p:nvSpPr>
-        <p:spPr>
-          <a:xfrm>
-            <a:off x="7815672" y="537993"/>
-            <a:ext cx="4763165" cy="646331"/>
-          </a:xfrm>
-          <a:prstGeom prst="rect">
-            <a:avLst/>
-          </a:prstGeom>
-          <a:noFill/>
-        </p:spPr>
-        <p:txBody>
-          <a:bodyPr wrap="square" rtlCol="0">
-            <a:spAutoFit/>
-          </a:bodyPr>
-          <a:lstStyle/>
-          <a:p>
-            <a:r>
-              <a:rPr lang="en-US" dirty="0"/>
-              <a:t>Select data source explorer.</a:t>
-            </a:r>
-          </a:p>
-          <a:p>
-            <a:r>
-              <a:rPr lang="en-US" dirty="0"/>
-              <a:t>right click and select new</a:t>
-            </a:r>
-          </a:p>
-        </p:txBody>
-      </p:sp>
-      <p:sp>
-        <p:nvSpPr>
-          <p:cNvPr id="20" name="TextBox 19">
-            <a:extLst>
-              <a:ext uri="{FF2B5EF4-FFF2-40B4-BE49-F238E27FC236}">
-                <a16:creationId xmlns:a16="http://schemas.microsoft.com/office/drawing/2014/main" id="{3C1AEF70-DDAF-1CAB-35B8-B242DD9C0FE0}"/>
-              </a:ext>
-            </a:extLst>
-          </p:cNvPr>
-          <p:cNvSpPr txBox="1"/>
-          <p:nvPr/>
-        </p:nvSpPr>
-        <p:spPr>
-          <a:xfrm>
-            <a:off x="-5020709" y="834760"/>
-            <a:ext cx="4763165" cy="646331"/>
-          </a:xfrm>
-          <a:prstGeom prst="rect">
-            <a:avLst/>
-          </a:prstGeom>
-          <a:noFill/>
-        </p:spPr>
-        <p:txBody>
-          <a:bodyPr wrap="square" rtlCol="0">
-            <a:spAutoFit/>
-          </a:bodyPr>
-          <a:lstStyle/>
-          <a:p>
-            <a:r>
-              <a:rPr lang="en-US" dirty="0"/>
-              <a:t>Open </a:t>
-            </a:r>
-            <a:r>
-              <a:rPr lang="en-US" dirty="0" err="1"/>
-              <a:t>application.properties</a:t>
-            </a:r>
-            <a:r>
-              <a:rPr lang="en-US" dirty="0"/>
-              <a:t> and configure  the port base on </a:t>
-            </a:r>
-            <a:r>
-              <a:rPr lang="en-US" dirty="0" err="1"/>
-              <a:t>ur</a:t>
-            </a:r>
-            <a:r>
-              <a:rPr lang="en-US" dirty="0"/>
-              <a:t> </a:t>
-            </a:r>
-            <a:r>
-              <a:rPr lang="en-US" dirty="0" err="1"/>
-              <a:t>mysql</a:t>
-            </a:r>
-            <a:r>
-              <a:rPr lang="en-US" dirty="0"/>
-              <a:t> connections</a:t>
-            </a:r>
-          </a:p>
-        </p:txBody>
-      </p:sp>
     </p:spTree>
     <p:extLst>
       <p:ext uri="{BB962C8B-B14F-4D97-AF65-F5344CB8AC3E}">
@@ -4216,7 +4299,7 @@
 </p:sld>
 </file>
 
-<file path=ppt/slides/slide2.xml><?xml version="1.0" encoding="utf-8"?>
+<file path=ppt/slides/slide3.xml><?xml version="1.0" encoding="utf-8"?>
 <p:sld xmlns:a="http://schemas.openxmlformats.org/drawingml/2006/main" xmlns:r="http://schemas.openxmlformats.org/officeDocument/2006/relationships" xmlns:p="http://schemas.openxmlformats.org/presentationml/2006/main">
   <p:cSld>
     <p:spTree>
@@ -4247,7 +4330,7 @@
         </p:nvGrpSpPr>
         <p:grpSpPr>
           <a:xfrm>
-            <a:off x="-6934711" y="-3191799"/>
+            <a:off x="1088412" y="-2955825"/>
             <a:ext cx="7316222" cy="6620799"/>
             <a:chOff x="2437888" y="118600"/>
             <a:chExt cx="7316222" cy="6620799"/>
@@ -4327,7 +4410,7 @@
         </p:nvSpPr>
         <p:spPr>
           <a:xfrm>
-            <a:off x="-6862209" y="-3834539"/>
+            <a:off x="1160914" y="-3598565"/>
             <a:ext cx="7510419" cy="369332"/>
           </a:xfrm>
           <a:prstGeom prst="rect">
@@ -4362,7 +4445,7 @@
         </p:nvGrpSpPr>
         <p:grpSpPr>
           <a:xfrm>
-            <a:off x="-6934711" y="4944601"/>
+            <a:off x="1088412" y="5180575"/>
             <a:ext cx="6074228" cy="6858000"/>
             <a:chOff x="-4154714" y="-461501"/>
             <a:chExt cx="6074228" cy="6858000"/>
@@ -4442,7 +4525,7 @@
         </p:nvSpPr>
         <p:spPr>
           <a:xfrm>
-            <a:off x="-7300359" y="4236236"/>
+            <a:off x="722764" y="4472210"/>
             <a:ext cx="7510419" cy="646331"/>
           </a:xfrm>
           <a:prstGeom prst="rect">
@@ -4477,7 +4560,7 @@
         </p:nvSpPr>
         <p:spPr>
           <a:xfrm>
-            <a:off x="2548491" y="-1775505"/>
+            <a:off x="10571614" y="-1539531"/>
             <a:ext cx="7510419" cy="923330"/>
           </a:xfrm>
           <a:prstGeom prst="rect">
@@ -4537,7 +4620,7 @@
         </p:blipFill>
         <p:spPr>
           <a:xfrm>
-            <a:off x="2637391" y="4068301"/>
+            <a:off x="10660514" y="4304275"/>
             <a:ext cx="4760177" cy="6858000"/>
           </a:xfrm>
           <a:prstGeom prst="rect">
@@ -4567,7 +4650,7 @@
         </p:blipFill>
         <p:spPr>
           <a:xfrm>
-            <a:off x="2396091" y="-638867"/>
+            <a:off x="9479414" y="-402893"/>
             <a:ext cx="7411484" cy="3305636"/>
           </a:xfrm>
           <a:prstGeom prst="rect">
@@ -4589,7 +4672,7 @@
         </p:nvSpPr>
         <p:spPr>
           <a:xfrm>
-            <a:off x="2637391" y="3316219"/>
+            <a:off x="10660514" y="3552193"/>
             <a:ext cx="7510419" cy="369332"/>
           </a:xfrm>
           <a:prstGeom prst="rect">
